--- a/results/heatmapsppt.pptx
+++ b/results/heatmapsppt.pptx
@@ -1,13 +1,13 @@
 
 <file path=ppt/presentation.xml><?xml version="1.0" encoding="utf-8"?>
-<p:presentation xmlns:a="http://schemas.openxmlformats.org/drawingml/2006/main" xmlns:p="http://schemas.openxmlformats.org/presentationml/2006/main" xmlns:r="http://schemas.openxmlformats.org/officeDocument/2006/relationships" saveSubsetFonts="1">
+<p:presentation xmlns:a="http://schemas.openxmlformats.org/drawingml/2006/main" xmlns:r="http://schemas.openxmlformats.org/officeDocument/2006/relationships" xmlns:p="http://schemas.openxmlformats.org/presentationml/2006/main" saveSubsetFonts="1">
   <p:sldMasterIdLst>
-    <p:sldMasterId id="2147483648" r:id="rId1"/>
+    <p:sldMasterId id="2147483660" r:id="rId1"/>
   </p:sldMasterIdLst>
   <p:sldIdLst>
-    <p:sldId id="256" r:id="rId6"/>
-    <p:sldId id="257" r:id="rId7"/>
-    <p:sldId id="258" r:id="rId8"/>
+    <p:sldId id="256" r:id="rId2"/>
+    <p:sldId id="257" r:id="rId3"/>
+    <p:sldId id="258" r:id="rId4"/>
   </p:sldIdLst>
   <p:sldSz cx="12192000" cy="6858000"/>
   <p:notesSz cx="6858000" cy="9144000"/>
@@ -15,8 +15,8 @@
     <a:defPPr>
       <a:defRPr lang="en-US"/>
     </a:defPPr>
-    <a:lvl1pPr algn="l" defTabSz="914400" eaLnBrk="1" hangingPunct="1" latinLnBrk="0" marL="0" rtl="0">
-      <a:defRPr kern="1200" sz="1800">
+    <a:lvl1pPr marL="0" algn="l" defTabSz="457200" rtl="0" eaLnBrk="1" latinLnBrk="0" hangingPunct="1">
+      <a:defRPr sz="1800" kern="1200">
         <a:solidFill>
           <a:schemeClr val="tx1"/>
         </a:solidFill>
@@ -25,8 +25,8 @@
         <a:cs typeface="+mn-cs"/>
       </a:defRPr>
     </a:lvl1pPr>
-    <a:lvl2pPr algn="l" defTabSz="914400" eaLnBrk="1" hangingPunct="1" latinLnBrk="0" marL="457200" rtl="0">
-      <a:defRPr kern="1200" sz="1800">
+    <a:lvl2pPr marL="457200" algn="l" defTabSz="457200" rtl="0" eaLnBrk="1" latinLnBrk="0" hangingPunct="1">
+      <a:defRPr sz="1800" kern="1200">
         <a:solidFill>
           <a:schemeClr val="tx1"/>
         </a:solidFill>
@@ -35,8 +35,8 @@
         <a:cs typeface="+mn-cs"/>
       </a:defRPr>
     </a:lvl2pPr>
-    <a:lvl3pPr algn="l" defTabSz="914400" eaLnBrk="1" hangingPunct="1" latinLnBrk="0" marL="914400" rtl="0">
-      <a:defRPr kern="1200" sz="1800">
+    <a:lvl3pPr marL="914400" algn="l" defTabSz="457200" rtl="0" eaLnBrk="1" latinLnBrk="0" hangingPunct="1">
+      <a:defRPr sz="1800" kern="1200">
         <a:solidFill>
           <a:schemeClr val="tx1"/>
         </a:solidFill>
@@ -45,8 +45,8 @@
         <a:cs typeface="+mn-cs"/>
       </a:defRPr>
     </a:lvl3pPr>
-    <a:lvl4pPr algn="l" defTabSz="914400" eaLnBrk="1" hangingPunct="1" latinLnBrk="0" marL="1371600" rtl="0">
-      <a:defRPr kern="1200" sz="1800">
+    <a:lvl4pPr marL="1371600" algn="l" defTabSz="457200" rtl="0" eaLnBrk="1" latinLnBrk="0" hangingPunct="1">
+      <a:defRPr sz="1800" kern="1200">
         <a:solidFill>
           <a:schemeClr val="tx1"/>
         </a:solidFill>
@@ -55,8 +55,8 @@
         <a:cs typeface="+mn-cs"/>
       </a:defRPr>
     </a:lvl4pPr>
-    <a:lvl5pPr algn="l" defTabSz="914400" eaLnBrk="1" hangingPunct="1" latinLnBrk="0" marL="1828800" rtl="0">
-      <a:defRPr kern="1200" sz="1800">
+    <a:lvl5pPr marL="1828800" algn="l" defTabSz="457200" rtl="0" eaLnBrk="1" latinLnBrk="0" hangingPunct="1">
+      <a:defRPr sz="1800" kern="1200">
         <a:solidFill>
           <a:schemeClr val="tx1"/>
         </a:solidFill>
@@ -65,8 +65,8 @@
         <a:cs typeface="+mn-cs"/>
       </a:defRPr>
     </a:lvl5pPr>
-    <a:lvl6pPr algn="l" defTabSz="914400" eaLnBrk="1" hangingPunct="1" latinLnBrk="0" marL="2286000" rtl="0">
-      <a:defRPr kern="1200" sz="1800">
+    <a:lvl6pPr marL="2286000" algn="l" defTabSz="457200" rtl="0" eaLnBrk="1" latinLnBrk="0" hangingPunct="1">
+      <a:defRPr sz="1800" kern="1200">
         <a:solidFill>
           <a:schemeClr val="tx1"/>
         </a:solidFill>
@@ -75,8 +75,8 @@
         <a:cs typeface="+mn-cs"/>
       </a:defRPr>
     </a:lvl6pPr>
-    <a:lvl7pPr algn="l" defTabSz="914400" eaLnBrk="1" hangingPunct="1" latinLnBrk="0" marL="2743200" rtl="0">
-      <a:defRPr kern="1200" sz="1800">
+    <a:lvl7pPr marL="2743200" algn="l" defTabSz="457200" rtl="0" eaLnBrk="1" latinLnBrk="0" hangingPunct="1">
+      <a:defRPr sz="1800" kern="1200">
         <a:solidFill>
           <a:schemeClr val="tx1"/>
         </a:solidFill>
@@ -85,8 +85,8 @@
         <a:cs typeface="+mn-cs"/>
       </a:defRPr>
     </a:lvl7pPr>
-    <a:lvl8pPr algn="l" defTabSz="914400" eaLnBrk="1" hangingPunct="1" latinLnBrk="0" marL="3200400" rtl="0">
-      <a:defRPr kern="1200" sz="1800">
+    <a:lvl8pPr marL="3200400" algn="l" defTabSz="457200" rtl="0" eaLnBrk="1" latinLnBrk="0" hangingPunct="1">
+      <a:defRPr sz="1800" kern="1200">
         <a:solidFill>
           <a:schemeClr val="tx1"/>
         </a:solidFill>
@@ -95,8 +95,8 @@
         <a:cs typeface="+mn-cs"/>
       </a:defRPr>
     </a:lvl8pPr>
-    <a:lvl9pPr algn="l" defTabSz="914400" eaLnBrk="1" hangingPunct="1" latinLnBrk="0" marL="3657600" rtl="0">
-      <a:defRPr kern="1200" sz="1800">
+    <a:lvl9pPr marL="3657600" algn="l" defTabSz="457200" rtl="0" eaLnBrk="1" latinLnBrk="0" hangingPunct="1">
+      <a:defRPr sz="1800" kern="1200">
         <a:solidFill>
           <a:schemeClr val="tx1"/>
         </a:solidFill>
@@ -106,6 +106,11 @@
       </a:defRPr>
     </a:lvl9pPr>
   </p:defaultTextStyle>
+  <p:extLst>
+    <p:ext uri="{EFAFB233-063F-42B5-8137-9DF3F51BA10A}">
+      <p15:sldGuideLst xmlns:p15="http://schemas.microsoft.com/office/powerpoint/2012/main"/>
+    </p:ext>
+  </p:extLst>
 </p:presentation>
 </file>
 
@@ -128,13 +133,7 @@
       </p:grpSpPr>
       <p:sp>
         <p:nvSpPr>
-          <p:cNvPr id="2" name="Title 1">
-            <a:extLst>
-              <a:ext uri="{FF2B5EF4-FFF2-40B4-BE49-F238E27FC236}">
-                <a16:creationId xmlns:a16="http://schemas.microsoft.com/office/drawing/2014/main" id="{00D1A6E6-075E-4828-AF88-09BD0A74259E}"/>
-              </a:ext>
-            </a:extLst>
-          </p:cNvPr>
+          <p:cNvPr id="2" name="Title 1"/>
           <p:cNvSpPr>
             <a:spLocks noGrp="1"/>
           </p:cNvSpPr>
@@ -160,18 +159,13 @@
               <a:rPr lang="en-US"/>
               <a:t>Click to edit Master title style</a:t>
             </a:r>
-          </a:p>
-        </p:txBody>
-      </p:sp>
-      <p:sp>
-        <p:nvSpPr>
-          <p:cNvPr id="3" name="Subtitle 2">
-            <a:extLst>
-              <a:ext uri="{FF2B5EF4-FFF2-40B4-BE49-F238E27FC236}">
-                <a16:creationId xmlns:a16="http://schemas.microsoft.com/office/drawing/2014/main" id="{5F3800DB-487B-4E23-AC0B-90C9ED4E1076}"/>
-              </a:ext>
-            </a:extLst>
-          </p:cNvPr>
+            <a:endParaRPr lang="en-US" dirty="0"/>
+          </a:p>
+        </p:txBody>
+      </p:sp>
+      <p:sp>
+        <p:nvSpPr>
+          <p:cNvPr id="3" name="Subtitle 2"/>
           <p:cNvSpPr>
             <a:spLocks noGrp="1"/>
           </p:cNvSpPr>
@@ -230,18 +224,13 @@
               <a:rPr lang="en-US"/>
               <a:t>Click to edit Master subtitle style</a:t>
             </a:r>
-          </a:p>
-        </p:txBody>
-      </p:sp>
-      <p:sp>
-        <p:nvSpPr>
-          <p:cNvPr id="4" name="Date Placeholder 3">
-            <a:extLst>
-              <a:ext uri="{FF2B5EF4-FFF2-40B4-BE49-F238E27FC236}">
-                <a16:creationId xmlns:a16="http://schemas.microsoft.com/office/drawing/2014/main" id="{664DF5B1-3694-42A9-866E-9F1FF6CF0C01}"/>
-              </a:ext>
-            </a:extLst>
-          </p:cNvPr>
+            <a:endParaRPr lang="en-US" dirty="0"/>
+          </a:p>
+        </p:txBody>
+      </p:sp>
+      <p:sp>
+        <p:nvSpPr>
+          <p:cNvPr id="4" name="Date Placeholder 3"/>
           <p:cNvSpPr>
             <a:spLocks noGrp="1"/>
           </p:cNvSpPr>
@@ -256,7 +245,7 @@
           <a:p>
             <a:fld id="{EED1C14C-A143-42F5-B247-D0E800131009}" type="datetimeFigureOut">
               <a:rPr lang="en-US" smtClean="0"/>
-              <a:t>8/15/2018</a:t>
+              <a:t>2/23/20</a:t>
             </a:fld>
             <a:endParaRPr lang="en-US"/>
           </a:p>
@@ -264,13 +253,7 @@
       </p:sp>
       <p:sp>
         <p:nvSpPr>
-          <p:cNvPr id="5" name="Footer Placeholder 4">
-            <a:extLst>
-              <a:ext uri="{FF2B5EF4-FFF2-40B4-BE49-F238E27FC236}">
-                <a16:creationId xmlns:a16="http://schemas.microsoft.com/office/drawing/2014/main" id="{54718E67-8162-4BE0-9B01-22B89A120ADC}"/>
-              </a:ext>
-            </a:extLst>
-          </p:cNvPr>
+          <p:cNvPr id="5" name="Footer Placeholder 4"/>
           <p:cNvSpPr>
             <a:spLocks noGrp="1"/>
           </p:cNvSpPr>
@@ -289,13 +272,7 @@
       </p:sp>
       <p:sp>
         <p:nvSpPr>
-          <p:cNvPr id="6" name="Slide Number Placeholder 5">
-            <a:extLst>
-              <a:ext uri="{FF2B5EF4-FFF2-40B4-BE49-F238E27FC236}">
-                <a16:creationId xmlns:a16="http://schemas.microsoft.com/office/drawing/2014/main" id="{91568B9D-A8C9-40C5-85B0-14F435F39C81}"/>
-              </a:ext>
-            </a:extLst>
-          </p:cNvPr>
+          <p:cNvPr id="6" name="Slide Number Placeholder 5"/>
           <p:cNvSpPr>
             <a:spLocks noGrp="1"/>
           </p:cNvSpPr>
@@ -319,7 +296,7 @@
     </p:spTree>
     <p:extLst>
       <p:ext uri="{BB962C8B-B14F-4D97-AF65-F5344CB8AC3E}">
-        <p14:creationId xmlns:p14="http://schemas.microsoft.com/office/powerpoint/2010/main" val="896738362"/>
+        <p14:creationId xmlns:p14="http://schemas.microsoft.com/office/powerpoint/2010/main" val="2323389929"/>
       </p:ext>
     </p:extLst>
   </p:cSld>
@@ -348,13 +325,7 @@
       </p:grpSpPr>
       <p:sp>
         <p:nvSpPr>
-          <p:cNvPr id="2" name="Title 1">
-            <a:extLst>
-              <a:ext uri="{FF2B5EF4-FFF2-40B4-BE49-F238E27FC236}">
-                <a16:creationId xmlns:a16="http://schemas.microsoft.com/office/drawing/2014/main" id="{AA6536FE-B6CA-4D45-A719-6B51F3FF6D96}"/>
-              </a:ext>
-            </a:extLst>
-          </p:cNvPr>
+          <p:cNvPr id="2" name="Title 1"/>
           <p:cNvSpPr>
             <a:spLocks noGrp="1"/>
           </p:cNvSpPr>
@@ -371,18 +342,13 @@
               <a:rPr lang="en-US"/>
               <a:t>Click to edit Master title style</a:t>
             </a:r>
-          </a:p>
-        </p:txBody>
-      </p:sp>
-      <p:sp>
-        <p:nvSpPr>
-          <p:cNvPr id="3" name="Vertical Text Placeholder 2">
-            <a:extLst>
-              <a:ext uri="{FF2B5EF4-FFF2-40B4-BE49-F238E27FC236}">
-                <a16:creationId xmlns:a16="http://schemas.microsoft.com/office/drawing/2014/main" id="{DFB9388C-63B0-4DA8-97D0-BEEDCF401CA2}"/>
-              </a:ext>
-            </a:extLst>
-          </p:cNvPr>
+            <a:endParaRPr lang="en-US" dirty="0"/>
+          </a:p>
+        </p:txBody>
+      </p:sp>
+      <p:sp>
+        <p:nvSpPr>
+          <p:cNvPr id="3" name="Vertical Text Placeholder 2"/>
           <p:cNvSpPr>
             <a:spLocks noGrp="1"/>
           </p:cNvSpPr>
@@ -398,7 +364,7 @@
             <a:pPr lvl="0"/>
             <a:r>
               <a:rPr lang="en-US"/>
-              <a:t>Edit Master text styles</a:t>
+              <a:t>Click to edit Master text styles</a:t>
             </a:r>
           </a:p>
           <a:p>
@@ -428,18 +394,13 @@
               <a:rPr lang="en-US"/>
               <a:t>Fifth level</a:t>
             </a:r>
-          </a:p>
-        </p:txBody>
-      </p:sp>
-      <p:sp>
-        <p:nvSpPr>
-          <p:cNvPr id="4" name="Date Placeholder 3">
-            <a:extLst>
-              <a:ext uri="{FF2B5EF4-FFF2-40B4-BE49-F238E27FC236}">
-                <a16:creationId xmlns:a16="http://schemas.microsoft.com/office/drawing/2014/main" id="{3ED9BDB0-2A2B-43AC-965A-A9E7E7F741CD}"/>
-              </a:ext>
-            </a:extLst>
-          </p:cNvPr>
+            <a:endParaRPr lang="en-US" dirty="0"/>
+          </a:p>
+        </p:txBody>
+      </p:sp>
+      <p:sp>
+        <p:nvSpPr>
+          <p:cNvPr id="4" name="Date Placeholder 3"/>
           <p:cNvSpPr>
             <a:spLocks noGrp="1"/>
           </p:cNvSpPr>
@@ -454,7 +415,7 @@
           <a:p>
             <a:fld id="{EED1C14C-A143-42F5-B247-D0E800131009}" type="datetimeFigureOut">
               <a:rPr lang="en-US" smtClean="0"/>
-              <a:t>8/15/2018</a:t>
+              <a:t>2/23/20</a:t>
             </a:fld>
             <a:endParaRPr lang="en-US"/>
           </a:p>
@@ -462,13 +423,7 @@
       </p:sp>
       <p:sp>
         <p:nvSpPr>
-          <p:cNvPr id="5" name="Footer Placeholder 4">
-            <a:extLst>
-              <a:ext uri="{FF2B5EF4-FFF2-40B4-BE49-F238E27FC236}">
-                <a16:creationId xmlns:a16="http://schemas.microsoft.com/office/drawing/2014/main" id="{B67DA7C3-2A5B-4BED-A540-9136486CC5B6}"/>
-              </a:ext>
-            </a:extLst>
-          </p:cNvPr>
+          <p:cNvPr id="5" name="Footer Placeholder 4"/>
           <p:cNvSpPr>
             <a:spLocks noGrp="1"/>
           </p:cNvSpPr>
@@ -487,13 +442,7 @@
       </p:sp>
       <p:sp>
         <p:nvSpPr>
-          <p:cNvPr id="6" name="Slide Number Placeholder 5">
-            <a:extLst>
-              <a:ext uri="{FF2B5EF4-FFF2-40B4-BE49-F238E27FC236}">
-                <a16:creationId xmlns:a16="http://schemas.microsoft.com/office/drawing/2014/main" id="{835888E8-31D6-4E51-9228-0D6066FED555}"/>
-              </a:ext>
-            </a:extLst>
-          </p:cNvPr>
+          <p:cNvPr id="6" name="Slide Number Placeholder 5"/>
           <p:cNvSpPr>
             <a:spLocks noGrp="1"/>
           </p:cNvSpPr>
@@ -517,7 +466,7 @@
     </p:spTree>
     <p:extLst>
       <p:ext uri="{BB962C8B-B14F-4D97-AF65-F5344CB8AC3E}">
-        <p14:creationId xmlns:p14="http://schemas.microsoft.com/office/powerpoint/2010/main" val="3471160673"/>
+        <p14:creationId xmlns:p14="http://schemas.microsoft.com/office/powerpoint/2010/main" val="68883905"/>
       </p:ext>
     </p:extLst>
   </p:cSld>
@@ -546,13 +495,7 @@
       </p:grpSpPr>
       <p:sp>
         <p:nvSpPr>
-          <p:cNvPr id="2" name="Vertical Title 1">
-            <a:extLst>
-              <a:ext uri="{FF2B5EF4-FFF2-40B4-BE49-F238E27FC236}">
-                <a16:creationId xmlns:a16="http://schemas.microsoft.com/office/drawing/2014/main" id="{E3D010CA-6776-433E-8E25-97899E08288F}"/>
-              </a:ext>
-            </a:extLst>
-          </p:cNvPr>
+          <p:cNvPr id="2" name="Vertical Title 1"/>
           <p:cNvSpPr>
             <a:spLocks noGrp="1"/>
           </p:cNvSpPr>
@@ -574,18 +517,13 @@
               <a:rPr lang="en-US"/>
               <a:t>Click to edit Master title style</a:t>
             </a:r>
-          </a:p>
-        </p:txBody>
-      </p:sp>
-      <p:sp>
-        <p:nvSpPr>
-          <p:cNvPr id="3" name="Vertical Text Placeholder 2">
-            <a:extLst>
-              <a:ext uri="{FF2B5EF4-FFF2-40B4-BE49-F238E27FC236}">
-                <a16:creationId xmlns:a16="http://schemas.microsoft.com/office/drawing/2014/main" id="{06391E6E-3CF5-4535-B37E-E30058EA2848}"/>
-              </a:ext>
-            </a:extLst>
-          </p:cNvPr>
+            <a:endParaRPr lang="en-US" dirty="0"/>
+          </a:p>
+        </p:txBody>
+      </p:sp>
+      <p:sp>
+        <p:nvSpPr>
+          <p:cNvPr id="3" name="Vertical Text Placeholder 2"/>
           <p:cNvSpPr>
             <a:spLocks noGrp="1"/>
           </p:cNvSpPr>
@@ -606,7 +544,7 @@
             <a:pPr lvl="0"/>
             <a:r>
               <a:rPr lang="en-US"/>
-              <a:t>Edit Master text styles</a:t>
+              <a:t>Click to edit Master text styles</a:t>
             </a:r>
           </a:p>
           <a:p>
@@ -636,18 +574,13 @@
               <a:rPr lang="en-US"/>
               <a:t>Fifth level</a:t>
             </a:r>
-          </a:p>
-        </p:txBody>
-      </p:sp>
-      <p:sp>
-        <p:nvSpPr>
-          <p:cNvPr id="4" name="Date Placeholder 3">
-            <a:extLst>
-              <a:ext uri="{FF2B5EF4-FFF2-40B4-BE49-F238E27FC236}">
-                <a16:creationId xmlns:a16="http://schemas.microsoft.com/office/drawing/2014/main" id="{9A6ADEE3-AAA7-4846-8EC6-84B1537C1D74}"/>
-              </a:ext>
-            </a:extLst>
-          </p:cNvPr>
+            <a:endParaRPr lang="en-US" dirty="0"/>
+          </a:p>
+        </p:txBody>
+      </p:sp>
+      <p:sp>
+        <p:nvSpPr>
+          <p:cNvPr id="4" name="Date Placeholder 3"/>
           <p:cNvSpPr>
             <a:spLocks noGrp="1"/>
           </p:cNvSpPr>
@@ -662,7 +595,7 @@
           <a:p>
             <a:fld id="{EED1C14C-A143-42F5-B247-D0E800131009}" type="datetimeFigureOut">
               <a:rPr lang="en-US" smtClean="0"/>
-              <a:t>8/15/2018</a:t>
+              <a:t>2/23/20</a:t>
             </a:fld>
             <a:endParaRPr lang="en-US"/>
           </a:p>
@@ -670,13 +603,7 @@
       </p:sp>
       <p:sp>
         <p:nvSpPr>
-          <p:cNvPr id="5" name="Footer Placeholder 4">
-            <a:extLst>
-              <a:ext uri="{FF2B5EF4-FFF2-40B4-BE49-F238E27FC236}">
-                <a16:creationId xmlns:a16="http://schemas.microsoft.com/office/drawing/2014/main" id="{001DABD6-6E60-4895-89B1-3604A484D2DD}"/>
-              </a:ext>
-            </a:extLst>
-          </p:cNvPr>
+          <p:cNvPr id="5" name="Footer Placeholder 4"/>
           <p:cNvSpPr>
             <a:spLocks noGrp="1"/>
           </p:cNvSpPr>
@@ -695,13 +622,7 @@
       </p:sp>
       <p:sp>
         <p:nvSpPr>
-          <p:cNvPr id="6" name="Slide Number Placeholder 5">
-            <a:extLst>
-              <a:ext uri="{FF2B5EF4-FFF2-40B4-BE49-F238E27FC236}">
-                <a16:creationId xmlns:a16="http://schemas.microsoft.com/office/drawing/2014/main" id="{59A4D314-6D1C-4A42-A445-B77646B2B295}"/>
-              </a:ext>
-            </a:extLst>
-          </p:cNvPr>
+          <p:cNvPr id="6" name="Slide Number Placeholder 5"/>
           <p:cNvSpPr>
             <a:spLocks noGrp="1"/>
           </p:cNvSpPr>
@@ -725,7 +646,7 @@
     </p:spTree>
     <p:extLst>
       <p:ext uri="{BB962C8B-B14F-4D97-AF65-F5344CB8AC3E}">
-        <p14:creationId xmlns:p14="http://schemas.microsoft.com/office/powerpoint/2010/main" val="4195526759"/>
+        <p14:creationId xmlns:p14="http://schemas.microsoft.com/office/powerpoint/2010/main" val="1349782386"/>
       </p:ext>
     </p:extLst>
   </p:cSld>
@@ -754,13 +675,7 @@
       </p:grpSpPr>
       <p:sp>
         <p:nvSpPr>
-          <p:cNvPr id="2" name="Title 1">
-            <a:extLst>
-              <a:ext uri="{FF2B5EF4-FFF2-40B4-BE49-F238E27FC236}">
-                <a16:creationId xmlns:a16="http://schemas.microsoft.com/office/drawing/2014/main" id="{6B34D5D7-9AEB-44F2-8A04-0694BE1520D8}"/>
-              </a:ext>
-            </a:extLst>
-          </p:cNvPr>
+          <p:cNvPr id="2" name="Title 1"/>
           <p:cNvSpPr>
             <a:spLocks noGrp="1"/>
           </p:cNvSpPr>
@@ -777,18 +692,13 @@
               <a:rPr lang="en-US"/>
               <a:t>Click to edit Master title style</a:t>
             </a:r>
-          </a:p>
-        </p:txBody>
-      </p:sp>
-      <p:sp>
-        <p:nvSpPr>
-          <p:cNvPr id="3" name="Content Placeholder 2">
-            <a:extLst>
-              <a:ext uri="{FF2B5EF4-FFF2-40B4-BE49-F238E27FC236}">
-                <a16:creationId xmlns:a16="http://schemas.microsoft.com/office/drawing/2014/main" id="{F3CE933F-693D-4770-8DC4-A5A086AC8ACE}"/>
-              </a:ext>
-            </a:extLst>
-          </p:cNvPr>
+            <a:endParaRPr lang="en-US" dirty="0"/>
+          </a:p>
+        </p:txBody>
+      </p:sp>
+      <p:sp>
+        <p:nvSpPr>
+          <p:cNvPr id="3" name="Content Placeholder 2"/>
           <p:cNvSpPr>
             <a:spLocks noGrp="1"/>
           </p:cNvSpPr>
@@ -804,7 +714,7 @@
             <a:pPr lvl="0"/>
             <a:r>
               <a:rPr lang="en-US"/>
-              <a:t>Edit Master text styles</a:t>
+              <a:t>Click to edit Master text styles</a:t>
             </a:r>
           </a:p>
           <a:p>
@@ -834,18 +744,13 @@
               <a:rPr lang="en-US"/>
               <a:t>Fifth level</a:t>
             </a:r>
-          </a:p>
-        </p:txBody>
-      </p:sp>
-      <p:sp>
-        <p:nvSpPr>
-          <p:cNvPr id="4" name="Date Placeholder 3">
-            <a:extLst>
-              <a:ext uri="{FF2B5EF4-FFF2-40B4-BE49-F238E27FC236}">
-                <a16:creationId xmlns:a16="http://schemas.microsoft.com/office/drawing/2014/main" id="{02A7849A-1CE6-4F5C-95D7-EA8DA5EE5551}"/>
-              </a:ext>
-            </a:extLst>
-          </p:cNvPr>
+            <a:endParaRPr lang="en-US" dirty="0"/>
+          </a:p>
+        </p:txBody>
+      </p:sp>
+      <p:sp>
+        <p:nvSpPr>
+          <p:cNvPr id="4" name="Date Placeholder 3"/>
           <p:cNvSpPr>
             <a:spLocks noGrp="1"/>
           </p:cNvSpPr>
@@ -860,7 +765,7 @@
           <a:p>
             <a:fld id="{EED1C14C-A143-42F5-B247-D0E800131009}" type="datetimeFigureOut">
               <a:rPr lang="en-US" smtClean="0"/>
-              <a:t>8/15/2018</a:t>
+              <a:t>2/23/20</a:t>
             </a:fld>
             <a:endParaRPr lang="en-US"/>
           </a:p>
@@ -868,13 +773,7 @@
       </p:sp>
       <p:sp>
         <p:nvSpPr>
-          <p:cNvPr id="5" name="Footer Placeholder 4">
-            <a:extLst>
-              <a:ext uri="{FF2B5EF4-FFF2-40B4-BE49-F238E27FC236}">
-                <a16:creationId xmlns:a16="http://schemas.microsoft.com/office/drawing/2014/main" id="{39FE1FD0-B95E-4CF6-9A27-0F91F96DAE00}"/>
-              </a:ext>
-            </a:extLst>
-          </p:cNvPr>
+          <p:cNvPr id="5" name="Footer Placeholder 4"/>
           <p:cNvSpPr>
             <a:spLocks noGrp="1"/>
           </p:cNvSpPr>
@@ -893,13 +792,7 @@
       </p:sp>
       <p:sp>
         <p:nvSpPr>
-          <p:cNvPr id="6" name="Slide Number Placeholder 5">
-            <a:extLst>
-              <a:ext uri="{FF2B5EF4-FFF2-40B4-BE49-F238E27FC236}">
-                <a16:creationId xmlns:a16="http://schemas.microsoft.com/office/drawing/2014/main" id="{596123BE-5891-49D6-A758-867A98F38D77}"/>
-              </a:ext>
-            </a:extLst>
-          </p:cNvPr>
+          <p:cNvPr id="6" name="Slide Number Placeholder 5"/>
           <p:cNvSpPr>
             <a:spLocks noGrp="1"/>
           </p:cNvSpPr>
@@ -923,7 +816,7 @@
     </p:spTree>
     <p:extLst>
       <p:ext uri="{BB962C8B-B14F-4D97-AF65-F5344CB8AC3E}">
-        <p14:creationId xmlns:p14="http://schemas.microsoft.com/office/powerpoint/2010/main" val="2359722614"/>
+        <p14:creationId xmlns:p14="http://schemas.microsoft.com/office/powerpoint/2010/main" val="3866917395"/>
       </p:ext>
     </p:extLst>
   </p:cSld>
@@ -952,13 +845,7 @@
       </p:grpSpPr>
       <p:sp>
         <p:nvSpPr>
-          <p:cNvPr id="2" name="Title 1">
-            <a:extLst>
-              <a:ext uri="{FF2B5EF4-FFF2-40B4-BE49-F238E27FC236}">
-                <a16:creationId xmlns:a16="http://schemas.microsoft.com/office/drawing/2014/main" id="{4BA85FC7-1BEA-438E-A0A7-88FF55112279}"/>
-              </a:ext>
-            </a:extLst>
-          </p:cNvPr>
+          <p:cNvPr id="2" name="Title 1"/>
           <p:cNvSpPr>
             <a:spLocks noGrp="1"/>
           </p:cNvSpPr>
@@ -984,18 +871,13 @@
               <a:rPr lang="en-US"/>
               <a:t>Click to edit Master title style</a:t>
             </a:r>
-          </a:p>
-        </p:txBody>
-      </p:sp>
-      <p:sp>
-        <p:nvSpPr>
-          <p:cNvPr id="3" name="Text Placeholder 2">
-            <a:extLst>
-              <a:ext uri="{FF2B5EF4-FFF2-40B4-BE49-F238E27FC236}">
-                <a16:creationId xmlns:a16="http://schemas.microsoft.com/office/drawing/2014/main" id="{0BD5F5C0-417B-4A28-8AE9-A79AC74A6250}"/>
-              </a:ext>
-            </a:extLst>
-          </p:cNvPr>
+            <a:endParaRPr lang="en-US" dirty="0"/>
+          </a:p>
+        </p:txBody>
+      </p:sp>
+      <p:sp>
+        <p:nvSpPr>
+          <p:cNvPr id="3" name="Text Placeholder 2"/>
           <p:cNvSpPr>
             <a:spLocks noGrp="1"/>
           </p:cNvSpPr>
@@ -1107,20 +989,14 @@
             <a:pPr lvl="0"/>
             <a:r>
               <a:rPr lang="en-US"/>
-              <a:t>Edit Master text styles</a:t>
-            </a:r>
-          </a:p>
-        </p:txBody>
-      </p:sp>
-      <p:sp>
-        <p:nvSpPr>
-          <p:cNvPr id="4" name="Date Placeholder 3">
-            <a:extLst>
-              <a:ext uri="{FF2B5EF4-FFF2-40B4-BE49-F238E27FC236}">
-                <a16:creationId xmlns:a16="http://schemas.microsoft.com/office/drawing/2014/main" id="{34BC6257-C490-4059-9E97-16E46673C65A}"/>
-              </a:ext>
-            </a:extLst>
-          </p:cNvPr>
+              <a:t>Click to edit Master text styles</a:t>
+            </a:r>
+          </a:p>
+        </p:txBody>
+      </p:sp>
+      <p:sp>
+        <p:nvSpPr>
+          <p:cNvPr id="4" name="Date Placeholder 3"/>
           <p:cNvSpPr>
             <a:spLocks noGrp="1"/>
           </p:cNvSpPr>
@@ -1135,7 +1011,7 @@
           <a:p>
             <a:fld id="{EED1C14C-A143-42F5-B247-D0E800131009}" type="datetimeFigureOut">
               <a:rPr lang="en-US" smtClean="0"/>
-              <a:t>8/15/2018</a:t>
+              <a:t>2/23/20</a:t>
             </a:fld>
             <a:endParaRPr lang="en-US"/>
           </a:p>
@@ -1143,13 +1019,7 @@
       </p:sp>
       <p:sp>
         <p:nvSpPr>
-          <p:cNvPr id="5" name="Footer Placeholder 4">
-            <a:extLst>
-              <a:ext uri="{FF2B5EF4-FFF2-40B4-BE49-F238E27FC236}">
-                <a16:creationId xmlns:a16="http://schemas.microsoft.com/office/drawing/2014/main" id="{7A4051CD-74EC-43C1-9F21-D33BD297FC2D}"/>
-              </a:ext>
-            </a:extLst>
-          </p:cNvPr>
+          <p:cNvPr id="5" name="Footer Placeholder 4"/>
           <p:cNvSpPr>
             <a:spLocks noGrp="1"/>
           </p:cNvSpPr>
@@ -1168,13 +1038,7 @@
       </p:sp>
       <p:sp>
         <p:nvSpPr>
-          <p:cNvPr id="6" name="Slide Number Placeholder 5">
-            <a:extLst>
-              <a:ext uri="{FF2B5EF4-FFF2-40B4-BE49-F238E27FC236}">
-                <a16:creationId xmlns:a16="http://schemas.microsoft.com/office/drawing/2014/main" id="{8BC95141-29DC-41BA-BE25-E899055F3178}"/>
-              </a:ext>
-            </a:extLst>
-          </p:cNvPr>
+          <p:cNvPr id="6" name="Slide Number Placeholder 5"/>
           <p:cNvSpPr>
             <a:spLocks noGrp="1"/>
           </p:cNvSpPr>
@@ -1198,7 +1062,7 @@
     </p:spTree>
     <p:extLst>
       <p:ext uri="{BB962C8B-B14F-4D97-AF65-F5344CB8AC3E}">
-        <p14:creationId xmlns:p14="http://schemas.microsoft.com/office/powerpoint/2010/main" val="694532379"/>
+        <p14:creationId xmlns:p14="http://schemas.microsoft.com/office/powerpoint/2010/main" val="3568248232"/>
       </p:ext>
     </p:extLst>
   </p:cSld>
@@ -1227,13 +1091,7 @@
       </p:grpSpPr>
       <p:sp>
         <p:nvSpPr>
-          <p:cNvPr id="2" name="Title 1">
-            <a:extLst>
-              <a:ext uri="{FF2B5EF4-FFF2-40B4-BE49-F238E27FC236}">
-                <a16:creationId xmlns:a16="http://schemas.microsoft.com/office/drawing/2014/main" id="{2134FC21-AE04-4050-80E6-D9DCA4B50C9B}"/>
-              </a:ext>
-            </a:extLst>
-          </p:cNvPr>
+          <p:cNvPr id="2" name="Title 1"/>
           <p:cNvSpPr>
             <a:spLocks noGrp="1"/>
           </p:cNvSpPr>
@@ -1250,18 +1108,13 @@
               <a:rPr lang="en-US"/>
               <a:t>Click to edit Master title style</a:t>
             </a:r>
-          </a:p>
-        </p:txBody>
-      </p:sp>
-      <p:sp>
-        <p:nvSpPr>
-          <p:cNvPr id="3" name="Content Placeholder 2">
-            <a:extLst>
-              <a:ext uri="{FF2B5EF4-FFF2-40B4-BE49-F238E27FC236}">
-                <a16:creationId xmlns:a16="http://schemas.microsoft.com/office/drawing/2014/main" id="{51885F7E-EF45-48F7-9E54-C6806D0E9638}"/>
-              </a:ext>
-            </a:extLst>
-          </p:cNvPr>
+            <a:endParaRPr lang="en-US" dirty="0"/>
+          </a:p>
+        </p:txBody>
+      </p:sp>
+      <p:sp>
+        <p:nvSpPr>
+          <p:cNvPr id="3" name="Content Placeholder 2"/>
           <p:cNvSpPr>
             <a:spLocks noGrp="1"/>
           </p:cNvSpPr>
@@ -1282,7 +1135,7 @@
             <a:pPr lvl="0"/>
             <a:r>
               <a:rPr lang="en-US"/>
-              <a:t>Edit Master text styles</a:t>
+              <a:t>Click to edit Master text styles</a:t>
             </a:r>
           </a:p>
           <a:p>
@@ -1312,18 +1165,13 @@
               <a:rPr lang="en-US"/>
               <a:t>Fifth level</a:t>
             </a:r>
-          </a:p>
-        </p:txBody>
-      </p:sp>
-      <p:sp>
-        <p:nvSpPr>
-          <p:cNvPr id="4" name="Content Placeholder 3">
-            <a:extLst>
-              <a:ext uri="{FF2B5EF4-FFF2-40B4-BE49-F238E27FC236}">
-                <a16:creationId xmlns:a16="http://schemas.microsoft.com/office/drawing/2014/main" id="{7724501F-6ED5-4112-B037-D3E9F8CF2C81}"/>
-              </a:ext>
-            </a:extLst>
-          </p:cNvPr>
+            <a:endParaRPr lang="en-US" dirty="0"/>
+          </a:p>
+        </p:txBody>
+      </p:sp>
+      <p:sp>
+        <p:nvSpPr>
+          <p:cNvPr id="4" name="Content Placeholder 3"/>
           <p:cNvSpPr>
             <a:spLocks noGrp="1"/>
           </p:cNvSpPr>
@@ -1344,7 +1192,7 @@
             <a:pPr lvl="0"/>
             <a:r>
               <a:rPr lang="en-US"/>
-              <a:t>Edit Master text styles</a:t>
+              <a:t>Click to edit Master text styles</a:t>
             </a:r>
           </a:p>
           <a:p>
@@ -1374,18 +1222,13 @@
               <a:rPr lang="en-US"/>
               <a:t>Fifth level</a:t>
             </a:r>
-          </a:p>
-        </p:txBody>
-      </p:sp>
-      <p:sp>
-        <p:nvSpPr>
-          <p:cNvPr id="5" name="Date Placeholder 4">
-            <a:extLst>
-              <a:ext uri="{FF2B5EF4-FFF2-40B4-BE49-F238E27FC236}">
-                <a16:creationId xmlns:a16="http://schemas.microsoft.com/office/drawing/2014/main" id="{E861E48C-176E-4E60-8CB3-5425169963CD}"/>
-              </a:ext>
-            </a:extLst>
-          </p:cNvPr>
+            <a:endParaRPr lang="en-US" dirty="0"/>
+          </a:p>
+        </p:txBody>
+      </p:sp>
+      <p:sp>
+        <p:nvSpPr>
+          <p:cNvPr id="5" name="Date Placeholder 4"/>
           <p:cNvSpPr>
             <a:spLocks noGrp="1"/>
           </p:cNvSpPr>
@@ -1400,7 +1243,7 @@
           <a:p>
             <a:fld id="{EED1C14C-A143-42F5-B247-D0E800131009}" type="datetimeFigureOut">
               <a:rPr lang="en-US" smtClean="0"/>
-              <a:t>8/15/2018</a:t>
+              <a:t>2/23/20</a:t>
             </a:fld>
             <a:endParaRPr lang="en-US"/>
           </a:p>
@@ -1408,13 +1251,7 @@
       </p:sp>
       <p:sp>
         <p:nvSpPr>
-          <p:cNvPr id="6" name="Footer Placeholder 5">
-            <a:extLst>
-              <a:ext uri="{FF2B5EF4-FFF2-40B4-BE49-F238E27FC236}">
-                <a16:creationId xmlns:a16="http://schemas.microsoft.com/office/drawing/2014/main" id="{5852202B-C929-4B39-AF47-D17C38F868E8}"/>
-              </a:ext>
-            </a:extLst>
-          </p:cNvPr>
+          <p:cNvPr id="6" name="Footer Placeholder 5"/>
           <p:cNvSpPr>
             <a:spLocks noGrp="1"/>
           </p:cNvSpPr>
@@ -1433,13 +1270,7 @@
       </p:sp>
       <p:sp>
         <p:nvSpPr>
-          <p:cNvPr id="7" name="Slide Number Placeholder 6">
-            <a:extLst>
-              <a:ext uri="{FF2B5EF4-FFF2-40B4-BE49-F238E27FC236}">
-                <a16:creationId xmlns:a16="http://schemas.microsoft.com/office/drawing/2014/main" id="{7DEEEBF3-930A-4A23-810D-C1880E7A6D29}"/>
-              </a:ext>
-            </a:extLst>
-          </p:cNvPr>
+          <p:cNvPr id="7" name="Slide Number Placeholder 6"/>
           <p:cNvSpPr>
             <a:spLocks noGrp="1"/>
           </p:cNvSpPr>
@@ -1463,7 +1294,7 @@
     </p:spTree>
     <p:extLst>
       <p:ext uri="{BB962C8B-B14F-4D97-AF65-F5344CB8AC3E}">
-        <p14:creationId xmlns:p14="http://schemas.microsoft.com/office/powerpoint/2010/main" val="1723384594"/>
+        <p14:creationId xmlns:p14="http://schemas.microsoft.com/office/powerpoint/2010/main" val="3465638872"/>
       </p:ext>
     </p:extLst>
   </p:cSld>
@@ -1492,13 +1323,7 @@
       </p:grpSpPr>
       <p:sp>
         <p:nvSpPr>
-          <p:cNvPr id="2" name="Title 1">
-            <a:extLst>
-              <a:ext uri="{FF2B5EF4-FFF2-40B4-BE49-F238E27FC236}">
-                <a16:creationId xmlns:a16="http://schemas.microsoft.com/office/drawing/2014/main" id="{40448E08-A828-430D-B8A6-7302E570AD2B}"/>
-              </a:ext>
-            </a:extLst>
-          </p:cNvPr>
+          <p:cNvPr id="2" name="Title 1"/>
           <p:cNvSpPr>
             <a:spLocks noGrp="1"/>
           </p:cNvSpPr>
@@ -1520,18 +1345,13 @@
               <a:rPr lang="en-US"/>
               <a:t>Click to edit Master title style</a:t>
             </a:r>
-          </a:p>
-        </p:txBody>
-      </p:sp>
-      <p:sp>
-        <p:nvSpPr>
-          <p:cNvPr id="3" name="Text Placeholder 2">
-            <a:extLst>
-              <a:ext uri="{FF2B5EF4-FFF2-40B4-BE49-F238E27FC236}">
-                <a16:creationId xmlns:a16="http://schemas.microsoft.com/office/drawing/2014/main" id="{71FF5402-465C-4E68-BF7E-BFE1177B55A2}"/>
-              </a:ext>
-            </a:extLst>
-          </p:cNvPr>
+            <a:endParaRPr lang="en-US" dirty="0"/>
+          </a:p>
+        </p:txBody>
+      </p:sp>
+      <p:sp>
+        <p:nvSpPr>
+          <p:cNvPr id="3" name="Text Placeholder 2"/>
           <p:cNvSpPr>
             <a:spLocks noGrp="1"/>
           </p:cNvSpPr>
@@ -1589,20 +1409,14 @@
             <a:pPr lvl="0"/>
             <a:r>
               <a:rPr lang="en-US"/>
-              <a:t>Edit Master text styles</a:t>
-            </a:r>
-          </a:p>
-        </p:txBody>
-      </p:sp>
-      <p:sp>
-        <p:nvSpPr>
-          <p:cNvPr id="4" name="Content Placeholder 3">
-            <a:extLst>
-              <a:ext uri="{FF2B5EF4-FFF2-40B4-BE49-F238E27FC236}">
-                <a16:creationId xmlns:a16="http://schemas.microsoft.com/office/drawing/2014/main" id="{469B917D-5EC9-44FC-B8A7-9ADF4ADC4FAB}"/>
-              </a:ext>
-            </a:extLst>
-          </p:cNvPr>
+              <a:t>Click to edit Master text styles</a:t>
+            </a:r>
+          </a:p>
+        </p:txBody>
+      </p:sp>
+      <p:sp>
+        <p:nvSpPr>
+          <p:cNvPr id="4" name="Content Placeholder 3"/>
           <p:cNvSpPr>
             <a:spLocks noGrp="1"/>
           </p:cNvSpPr>
@@ -1623,7 +1437,7 @@
             <a:pPr lvl="0"/>
             <a:r>
               <a:rPr lang="en-US"/>
-              <a:t>Edit Master text styles</a:t>
+              <a:t>Click to edit Master text styles</a:t>
             </a:r>
           </a:p>
           <a:p>
@@ -1653,18 +1467,13 @@
               <a:rPr lang="en-US"/>
               <a:t>Fifth level</a:t>
             </a:r>
-          </a:p>
-        </p:txBody>
-      </p:sp>
-      <p:sp>
-        <p:nvSpPr>
-          <p:cNvPr id="5" name="Text Placeholder 4">
-            <a:extLst>
-              <a:ext uri="{FF2B5EF4-FFF2-40B4-BE49-F238E27FC236}">
-                <a16:creationId xmlns:a16="http://schemas.microsoft.com/office/drawing/2014/main" id="{43DCF5D4-E55C-42FF-A7E5-2466DE35B8C0}"/>
-              </a:ext>
-            </a:extLst>
-          </p:cNvPr>
+            <a:endParaRPr lang="en-US" dirty="0"/>
+          </a:p>
+        </p:txBody>
+      </p:sp>
+      <p:sp>
+        <p:nvSpPr>
+          <p:cNvPr id="5" name="Text Placeholder 4"/>
           <p:cNvSpPr>
             <a:spLocks noGrp="1"/>
           </p:cNvSpPr>
@@ -1722,20 +1531,14 @@
             <a:pPr lvl="0"/>
             <a:r>
               <a:rPr lang="en-US"/>
-              <a:t>Edit Master text styles</a:t>
-            </a:r>
-          </a:p>
-        </p:txBody>
-      </p:sp>
-      <p:sp>
-        <p:nvSpPr>
-          <p:cNvPr id="6" name="Content Placeholder 5">
-            <a:extLst>
-              <a:ext uri="{FF2B5EF4-FFF2-40B4-BE49-F238E27FC236}">
-                <a16:creationId xmlns:a16="http://schemas.microsoft.com/office/drawing/2014/main" id="{B7579A7F-77F4-4169-8D51-212344199842}"/>
-              </a:ext>
-            </a:extLst>
-          </p:cNvPr>
+              <a:t>Click to edit Master text styles</a:t>
+            </a:r>
+          </a:p>
+        </p:txBody>
+      </p:sp>
+      <p:sp>
+        <p:nvSpPr>
+          <p:cNvPr id="6" name="Content Placeholder 5"/>
           <p:cNvSpPr>
             <a:spLocks noGrp="1"/>
           </p:cNvSpPr>
@@ -1756,7 +1559,7 @@
             <a:pPr lvl="0"/>
             <a:r>
               <a:rPr lang="en-US"/>
-              <a:t>Edit Master text styles</a:t>
+              <a:t>Click to edit Master text styles</a:t>
             </a:r>
           </a:p>
           <a:p>
@@ -1786,18 +1589,13 @@
               <a:rPr lang="en-US"/>
               <a:t>Fifth level</a:t>
             </a:r>
-          </a:p>
-        </p:txBody>
-      </p:sp>
-      <p:sp>
-        <p:nvSpPr>
-          <p:cNvPr id="7" name="Date Placeholder 6">
-            <a:extLst>
-              <a:ext uri="{FF2B5EF4-FFF2-40B4-BE49-F238E27FC236}">
-                <a16:creationId xmlns:a16="http://schemas.microsoft.com/office/drawing/2014/main" id="{2A735923-3BB5-4F33-8E76-56665E95B55A}"/>
-              </a:ext>
-            </a:extLst>
-          </p:cNvPr>
+            <a:endParaRPr lang="en-US" dirty="0"/>
+          </a:p>
+        </p:txBody>
+      </p:sp>
+      <p:sp>
+        <p:nvSpPr>
+          <p:cNvPr id="7" name="Date Placeholder 6"/>
           <p:cNvSpPr>
             <a:spLocks noGrp="1"/>
           </p:cNvSpPr>
@@ -1812,7 +1610,7 @@
           <a:p>
             <a:fld id="{EED1C14C-A143-42F5-B247-D0E800131009}" type="datetimeFigureOut">
               <a:rPr lang="en-US" smtClean="0"/>
-              <a:t>8/15/2018</a:t>
+              <a:t>2/23/20</a:t>
             </a:fld>
             <a:endParaRPr lang="en-US"/>
           </a:p>
@@ -1820,13 +1618,7 @@
       </p:sp>
       <p:sp>
         <p:nvSpPr>
-          <p:cNvPr id="8" name="Footer Placeholder 7">
-            <a:extLst>
-              <a:ext uri="{FF2B5EF4-FFF2-40B4-BE49-F238E27FC236}">
-                <a16:creationId xmlns:a16="http://schemas.microsoft.com/office/drawing/2014/main" id="{FA43FC79-7089-4373-88DC-12501E78201F}"/>
-              </a:ext>
-            </a:extLst>
-          </p:cNvPr>
+          <p:cNvPr id="8" name="Footer Placeholder 7"/>
           <p:cNvSpPr>
             <a:spLocks noGrp="1"/>
           </p:cNvSpPr>
@@ -1845,13 +1637,7 @@
       </p:sp>
       <p:sp>
         <p:nvSpPr>
-          <p:cNvPr id="9" name="Slide Number Placeholder 8">
-            <a:extLst>
-              <a:ext uri="{FF2B5EF4-FFF2-40B4-BE49-F238E27FC236}">
-                <a16:creationId xmlns:a16="http://schemas.microsoft.com/office/drawing/2014/main" id="{B4E0BEB1-B009-47B7-B159-DE05E615E710}"/>
-              </a:ext>
-            </a:extLst>
-          </p:cNvPr>
+          <p:cNvPr id="9" name="Slide Number Placeholder 8"/>
           <p:cNvSpPr>
             <a:spLocks noGrp="1"/>
           </p:cNvSpPr>
@@ -1875,7 +1661,7 @@
     </p:spTree>
     <p:extLst>
       <p:ext uri="{BB962C8B-B14F-4D97-AF65-F5344CB8AC3E}">
-        <p14:creationId xmlns:p14="http://schemas.microsoft.com/office/powerpoint/2010/main" val="2419726589"/>
+        <p14:creationId xmlns:p14="http://schemas.microsoft.com/office/powerpoint/2010/main" val="3381686348"/>
       </p:ext>
     </p:extLst>
   </p:cSld>
@@ -1904,13 +1690,7 @@
       </p:grpSpPr>
       <p:sp>
         <p:nvSpPr>
-          <p:cNvPr id="2" name="Title 1">
-            <a:extLst>
-              <a:ext uri="{FF2B5EF4-FFF2-40B4-BE49-F238E27FC236}">
-                <a16:creationId xmlns:a16="http://schemas.microsoft.com/office/drawing/2014/main" id="{1165FFCC-78CC-4E9D-A277-8230F27334A9}"/>
-              </a:ext>
-            </a:extLst>
-          </p:cNvPr>
+          <p:cNvPr id="2" name="Title 1"/>
           <p:cNvSpPr>
             <a:spLocks noGrp="1"/>
           </p:cNvSpPr>
@@ -1927,18 +1707,13 @@
               <a:rPr lang="en-US"/>
               <a:t>Click to edit Master title style</a:t>
             </a:r>
-          </a:p>
-        </p:txBody>
-      </p:sp>
-      <p:sp>
-        <p:nvSpPr>
-          <p:cNvPr id="3" name="Date Placeholder 2">
-            <a:extLst>
-              <a:ext uri="{FF2B5EF4-FFF2-40B4-BE49-F238E27FC236}">
-                <a16:creationId xmlns:a16="http://schemas.microsoft.com/office/drawing/2014/main" id="{744CEFE7-D923-48C1-B2FE-8110829C69E3}"/>
-              </a:ext>
-            </a:extLst>
-          </p:cNvPr>
+            <a:endParaRPr lang="en-US" dirty="0"/>
+          </a:p>
+        </p:txBody>
+      </p:sp>
+      <p:sp>
+        <p:nvSpPr>
+          <p:cNvPr id="3" name="Date Placeholder 2"/>
           <p:cNvSpPr>
             <a:spLocks noGrp="1"/>
           </p:cNvSpPr>
@@ -1953,7 +1728,7 @@
           <a:p>
             <a:fld id="{EED1C14C-A143-42F5-B247-D0E800131009}" type="datetimeFigureOut">
               <a:rPr lang="en-US" smtClean="0"/>
-              <a:t>8/15/2018</a:t>
+              <a:t>2/23/20</a:t>
             </a:fld>
             <a:endParaRPr lang="en-US"/>
           </a:p>
@@ -1961,13 +1736,7 @@
       </p:sp>
       <p:sp>
         <p:nvSpPr>
-          <p:cNvPr id="4" name="Footer Placeholder 3">
-            <a:extLst>
-              <a:ext uri="{FF2B5EF4-FFF2-40B4-BE49-F238E27FC236}">
-                <a16:creationId xmlns:a16="http://schemas.microsoft.com/office/drawing/2014/main" id="{A68F91C9-7841-4F7B-8F24-B5FF45B5B391}"/>
-              </a:ext>
-            </a:extLst>
-          </p:cNvPr>
+          <p:cNvPr id="4" name="Footer Placeholder 3"/>
           <p:cNvSpPr>
             <a:spLocks noGrp="1"/>
           </p:cNvSpPr>
@@ -1986,13 +1755,7 @@
       </p:sp>
       <p:sp>
         <p:nvSpPr>
-          <p:cNvPr id="5" name="Slide Number Placeholder 4">
-            <a:extLst>
-              <a:ext uri="{FF2B5EF4-FFF2-40B4-BE49-F238E27FC236}">
-                <a16:creationId xmlns:a16="http://schemas.microsoft.com/office/drawing/2014/main" id="{B8896739-CF17-4867-A5ED-317AD19F5A3B}"/>
-              </a:ext>
-            </a:extLst>
-          </p:cNvPr>
+          <p:cNvPr id="5" name="Slide Number Placeholder 4"/>
           <p:cNvSpPr>
             <a:spLocks noGrp="1"/>
           </p:cNvSpPr>
@@ -2016,7 +1779,7 @@
     </p:spTree>
     <p:extLst>
       <p:ext uri="{BB962C8B-B14F-4D97-AF65-F5344CB8AC3E}">
-        <p14:creationId xmlns:p14="http://schemas.microsoft.com/office/powerpoint/2010/main" val="953114326"/>
+        <p14:creationId xmlns:p14="http://schemas.microsoft.com/office/powerpoint/2010/main" val="321146940"/>
       </p:ext>
     </p:extLst>
   </p:cSld>
@@ -2045,13 +1808,7 @@
       </p:grpSpPr>
       <p:sp>
         <p:nvSpPr>
-          <p:cNvPr id="2" name="Date Placeholder 1">
-            <a:extLst>
-              <a:ext uri="{FF2B5EF4-FFF2-40B4-BE49-F238E27FC236}">
-                <a16:creationId xmlns:a16="http://schemas.microsoft.com/office/drawing/2014/main" id="{94E8942B-5ECF-4556-91C2-496E4C52EF8A}"/>
-              </a:ext>
-            </a:extLst>
-          </p:cNvPr>
+          <p:cNvPr id="2" name="Date Placeholder 1"/>
           <p:cNvSpPr>
             <a:spLocks noGrp="1"/>
           </p:cNvSpPr>
@@ -2066,7 +1823,7 @@
           <a:p>
             <a:fld id="{EED1C14C-A143-42F5-B247-D0E800131009}" type="datetimeFigureOut">
               <a:rPr lang="en-US" smtClean="0"/>
-              <a:t>8/15/2018</a:t>
+              <a:t>2/23/20</a:t>
             </a:fld>
             <a:endParaRPr lang="en-US"/>
           </a:p>
@@ -2074,13 +1831,7 @@
       </p:sp>
       <p:sp>
         <p:nvSpPr>
-          <p:cNvPr id="3" name="Footer Placeholder 2">
-            <a:extLst>
-              <a:ext uri="{FF2B5EF4-FFF2-40B4-BE49-F238E27FC236}">
-                <a16:creationId xmlns:a16="http://schemas.microsoft.com/office/drawing/2014/main" id="{3E1589EF-E9AD-45F7-BFBE-6F8AD3570337}"/>
-              </a:ext>
-            </a:extLst>
-          </p:cNvPr>
+          <p:cNvPr id="3" name="Footer Placeholder 2"/>
           <p:cNvSpPr>
             <a:spLocks noGrp="1"/>
           </p:cNvSpPr>
@@ -2099,13 +1850,7 @@
       </p:sp>
       <p:sp>
         <p:nvSpPr>
-          <p:cNvPr id="4" name="Slide Number Placeholder 3">
-            <a:extLst>
-              <a:ext uri="{FF2B5EF4-FFF2-40B4-BE49-F238E27FC236}">
-                <a16:creationId xmlns:a16="http://schemas.microsoft.com/office/drawing/2014/main" id="{6E18E0FA-5424-403C-8462-1B7C301C65D8}"/>
-              </a:ext>
-            </a:extLst>
-          </p:cNvPr>
+          <p:cNvPr id="4" name="Slide Number Placeholder 3"/>
           <p:cNvSpPr>
             <a:spLocks noGrp="1"/>
           </p:cNvSpPr>
@@ -2129,7 +1874,7 @@
     </p:spTree>
     <p:extLst>
       <p:ext uri="{BB962C8B-B14F-4D97-AF65-F5344CB8AC3E}">
-        <p14:creationId xmlns:p14="http://schemas.microsoft.com/office/powerpoint/2010/main" val="4246240454"/>
+        <p14:creationId xmlns:p14="http://schemas.microsoft.com/office/powerpoint/2010/main" val="904612854"/>
       </p:ext>
     </p:extLst>
   </p:cSld>
@@ -2158,13 +1903,7 @@
       </p:grpSpPr>
       <p:sp>
         <p:nvSpPr>
-          <p:cNvPr id="2" name="Title 1">
-            <a:extLst>
-              <a:ext uri="{FF2B5EF4-FFF2-40B4-BE49-F238E27FC236}">
-                <a16:creationId xmlns:a16="http://schemas.microsoft.com/office/drawing/2014/main" id="{5AB27A56-C315-441C-9002-DFD599AED26C}"/>
-              </a:ext>
-            </a:extLst>
-          </p:cNvPr>
+          <p:cNvPr id="2" name="Title 1"/>
           <p:cNvSpPr>
             <a:spLocks noGrp="1"/>
           </p:cNvSpPr>
@@ -2190,18 +1929,13 @@
               <a:rPr lang="en-US"/>
               <a:t>Click to edit Master title style</a:t>
             </a:r>
-          </a:p>
-        </p:txBody>
-      </p:sp>
-      <p:sp>
-        <p:nvSpPr>
-          <p:cNvPr id="3" name="Content Placeholder 2">
-            <a:extLst>
-              <a:ext uri="{FF2B5EF4-FFF2-40B4-BE49-F238E27FC236}">
-                <a16:creationId xmlns:a16="http://schemas.microsoft.com/office/drawing/2014/main" id="{C9F57D9A-8037-4B31-951B-4675ADA69390}"/>
-              </a:ext>
-            </a:extLst>
-          </p:cNvPr>
+            <a:endParaRPr lang="en-US" dirty="0"/>
+          </a:p>
+        </p:txBody>
+      </p:sp>
+      <p:sp>
+        <p:nvSpPr>
+          <p:cNvPr id="3" name="Content Placeholder 2"/>
           <p:cNvSpPr>
             <a:spLocks noGrp="1"/>
           </p:cNvSpPr>
@@ -2250,7 +1984,7 @@
             <a:pPr lvl="0"/>
             <a:r>
               <a:rPr lang="en-US"/>
-              <a:t>Edit Master text styles</a:t>
+              <a:t>Click to edit Master text styles</a:t>
             </a:r>
           </a:p>
           <a:p>
@@ -2280,18 +2014,13 @@
               <a:rPr lang="en-US"/>
               <a:t>Fifth level</a:t>
             </a:r>
-          </a:p>
-        </p:txBody>
-      </p:sp>
-      <p:sp>
-        <p:nvSpPr>
-          <p:cNvPr id="4" name="Text Placeholder 3">
-            <a:extLst>
-              <a:ext uri="{FF2B5EF4-FFF2-40B4-BE49-F238E27FC236}">
-                <a16:creationId xmlns:a16="http://schemas.microsoft.com/office/drawing/2014/main" id="{2763141B-5121-4179-B3F6-529569122247}"/>
-              </a:ext>
-            </a:extLst>
-          </p:cNvPr>
+            <a:endParaRPr lang="en-US" dirty="0"/>
+          </a:p>
+        </p:txBody>
+      </p:sp>
+      <p:sp>
+        <p:nvSpPr>
+          <p:cNvPr id="4" name="Text Placeholder 3"/>
           <p:cNvSpPr>
             <a:spLocks noGrp="1"/>
           </p:cNvSpPr>
@@ -2349,20 +2078,14 @@
             <a:pPr lvl="0"/>
             <a:r>
               <a:rPr lang="en-US"/>
-              <a:t>Edit Master text styles</a:t>
-            </a:r>
-          </a:p>
-        </p:txBody>
-      </p:sp>
-      <p:sp>
-        <p:nvSpPr>
-          <p:cNvPr id="5" name="Date Placeholder 4">
-            <a:extLst>
-              <a:ext uri="{FF2B5EF4-FFF2-40B4-BE49-F238E27FC236}">
-                <a16:creationId xmlns:a16="http://schemas.microsoft.com/office/drawing/2014/main" id="{AA60C32E-3427-4696-A55A-56886EA24AEB}"/>
-              </a:ext>
-            </a:extLst>
-          </p:cNvPr>
+              <a:t>Click to edit Master text styles</a:t>
+            </a:r>
+          </a:p>
+        </p:txBody>
+      </p:sp>
+      <p:sp>
+        <p:nvSpPr>
+          <p:cNvPr id="5" name="Date Placeholder 4"/>
           <p:cNvSpPr>
             <a:spLocks noGrp="1"/>
           </p:cNvSpPr>
@@ -2377,7 +2100,7 @@
           <a:p>
             <a:fld id="{EED1C14C-A143-42F5-B247-D0E800131009}" type="datetimeFigureOut">
               <a:rPr lang="en-US" smtClean="0"/>
-              <a:t>8/15/2018</a:t>
+              <a:t>2/23/20</a:t>
             </a:fld>
             <a:endParaRPr lang="en-US"/>
           </a:p>
@@ -2385,13 +2108,7 @@
       </p:sp>
       <p:sp>
         <p:nvSpPr>
-          <p:cNvPr id="6" name="Footer Placeholder 5">
-            <a:extLst>
-              <a:ext uri="{FF2B5EF4-FFF2-40B4-BE49-F238E27FC236}">
-                <a16:creationId xmlns:a16="http://schemas.microsoft.com/office/drawing/2014/main" id="{7DDFE526-7D20-4EC0-9624-E779812957B3}"/>
-              </a:ext>
-            </a:extLst>
-          </p:cNvPr>
+          <p:cNvPr id="6" name="Footer Placeholder 5"/>
           <p:cNvSpPr>
             <a:spLocks noGrp="1"/>
           </p:cNvSpPr>
@@ -2410,13 +2127,7 @@
       </p:sp>
       <p:sp>
         <p:nvSpPr>
-          <p:cNvPr id="7" name="Slide Number Placeholder 6">
-            <a:extLst>
-              <a:ext uri="{FF2B5EF4-FFF2-40B4-BE49-F238E27FC236}">
-                <a16:creationId xmlns:a16="http://schemas.microsoft.com/office/drawing/2014/main" id="{C7AA82D7-E462-4060-85D6-85CF55540155}"/>
-              </a:ext>
-            </a:extLst>
-          </p:cNvPr>
+          <p:cNvPr id="7" name="Slide Number Placeholder 6"/>
           <p:cNvSpPr>
             <a:spLocks noGrp="1"/>
           </p:cNvSpPr>
@@ -2440,7 +2151,7 @@
     </p:spTree>
     <p:extLst>
       <p:ext uri="{BB962C8B-B14F-4D97-AF65-F5344CB8AC3E}">
-        <p14:creationId xmlns:p14="http://schemas.microsoft.com/office/powerpoint/2010/main" val="3830305192"/>
+        <p14:creationId xmlns:p14="http://schemas.microsoft.com/office/powerpoint/2010/main" val="538231402"/>
       </p:ext>
     </p:extLst>
   </p:cSld>
@@ -2469,13 +2180,7 @@
       </p:grpSpPr>
       <p:sp>
         <p:nvSpPr>
-          <p:cNvPr id="2" name="Title 1">
-            <a:extLst>
-              <a:ext uri="{FF2B5EF4-FFF2-40B4-BE49-F238E27FC236}">
-                <a16:creationId xmlns:a16="http://schemas.microsoft.com/office/drawing/2014/main" id="{AE5E919B-BF68-4590-8CA9-A51BAC0F750F}"/>
-              </a:ext>
-            </a:extLst>
-          </p:cNvPr>
+          <p:cNvPr id="2" name="Title 1"/>
           <p:cNvSpPr>
             <a:spLocks noGrp="1"/>
           </p:cNvSpPr>
@@ -2501,20 +2206,15 @@
               <a:rPr lang="en-US"/>
               <a:t>Click to edit Master title style</a:t>
             </a:r>
-          </a:p>
-        </p:txBody>
-      </p:sp>
-      <p:sp>
-        <p:nvSpPr>
-          <p:cNvPr id="3" name="Picture Placeholder 2">
-            <a:extLst>
-              <a:ext uri="{FF2B5EF4-FFF2-40B4-BE49-F238E27FC236}">
-                <a16:creationId xmlns:a16="http://schemas.microsoft.com/office/drawing/2014/main" id="{A04BC1AA-5C68-47DC-BBF0-1E309865E5AF}"/>
-              </a:ext>
-            </a:extLst>
-          </p:cNvPr>
-          <p:cNvSpPr>
-            <a:spLocks noGrp="1"/>
+            <a:endParaRPr lang="en-US" dirty="0"/>
+          </a:p>
+        </p:txBody>
+      </p:sp>
+      <p:sp>
+        <p:nvSpPr>
+          <p:cNvPr id="3" name="Picture Placeholder 2"/>
+          <p:cNvSpPr>
+            <a:spLocks noGrp="1" noChangeAspect="1"/>
           </p:cNvSpPr>
           <p:nvPr>
             <p:ph type="pic" idx="1"/>
@@ -2527,7 +2227,7 @@
           </a:xfrm>
         </p:spPr>
         <p:txBody>
-          <a:bodyPr/>
+          <a:bodyPr anchor="t"/>
           <a:lstStyle>
             <a:lvl1pPr marL="0" indent="0">
               <a:buNone/>
@@ -2567,19 +2267,17 @@
             </a:lvl9pPr>
           </a:lstStyle>
           <a:p>
-            <a:endParaRPr lang="en-US"/>
-          </a:p>
-        </p:txBody>
-      </p:sp>
-      <p:sp>
-        <p:nvSpPr>
-          <p:cNvPr id="4" name="Text Placeholder 3">
-            <a:extLst>
-              <a:ext uri="{FF2B5EF4-FFF2-40B4-BE49-F238E27FC236}">
-                <a16:creationId xmlns:a16="http://schemas.microsoft.com/office/drawing/2014/main" id="{0F81A636-7F9C-43EC-B2F2-6FB3323CB79E}"/>
-              </a:ext>
-            </a:extLst>
-          </p:cNvPr>
+            <a:r>
+              <a:rPr lang="en-US"/>
+              <a:t>Click icon to add picture</a:t>
+            </a:r>
+            <a:endParaRPr lang="en-US" dirty="0"/>
+          </a:p>
+        </p:txBody>
+      </p:sp>
+      <p:sp>
+        <p:nvSpPr>
+          <p:cNvPr id="4" name="Text Placeholder 3"/>
           <p:cNvSpPr>
             <a:spLocks noGrp="1"/>
           </p:cNvSpPr>
@@ -2637,20 +2335,14 @@
             <a:pPr lvl="0"/>
             <a:r>
               <a:rPr lang="en-US"/>
-              <a:t>Edit Master text styles</a:t>
-            </a:r>
-          </a:p>
-        </p:txBody>
-      </p:sp>
-      <p:sp>
-        <p:nvSpPr>
-          <p:cNvPr id="5" name="Date Placeholder 4">
-            <a:extLst>
-              <a:ext uri="{FF2B5EF4-FFF2-40B4-BE49-F238E27FC236}">
-                <a16:creationId xmlns:a16="http://schemas.microsoft.com/office/drawing/2014/main" id="{7D19410E-A050-4AA2-BC89-EF52EB1C34F6}"/>
-              </a:ext>
-            </a:extLst>
-          </p:cNvPr>
+              <a:t>Click to edit Master text styles</a:t>
+            </a:r>
+          </a:p>
+        </p:txBody>
+      </p:sp>
+      <p:sp>
+        <p:nvSpPr>
+          <p:cNvPr id="5" name="Date Placeholder 4"/>
           <p:cNvSpPr>
             <a:spLocks noGrp="1"/>
           </p:cNvSpPr>
@@ -2665,7 +2357,7 @@
           <a:p>
             <a:fld id="{EED1C14C-A143-42F5-B247-D0E800131009}" type="datetimeFigureOut">
               <a:rPr lang="en-US" smtClean="0"/>
-              <a:t>8/15/2018</a:t>
+              <a:t>2/23/20</a:t>
             </a:fld>
             <a:endParaRPr lang="en-US"/>
           </a:p>
@@ -2673,13 +2365,7 @@
       </p:sp>
       <p:sp>
         <p:nvSpPr>
-          <p:cNvPr id="6" name="Footer Placeholder 5">
-            <a:extLst>
-              <a:ext uri="{FF2B5EF4-FFF2-40B4-BE49-F238E27FC236}">
-                <a16:creationId xmlns:a16="http://schemas.microsoft.com/office/drawing/2014/main" id="{B0C23AB0-18A5-4589-926D-C00F68CFEA43}"/>
-              </a:ext>
-            </a:extLst>
-          </p:cNvPr>
+          <p:cNvPr id="6" name="Footer Placeholder 5"/>
           <p:cNvSpPr>
             <a:spLocks noGrp="1"/>
           </p:cNvSpPr>
@@ -2698,13 +2384,7 @@
       </p:sp>
       <p:sp>
         <p:nvSpPr>
-          <p:cNvPr id="7" name="Slide Number Placeholder 6">
-            <a:extLst>
-              <a:ext uri="{FF2B5EF4-FFF2-40B4-BE49-F238E27FC236}">
-                <a16:creationId xmlns:a16="http://schemas.microsoft.com/office/drawing/2014/main" id="{8754EE52-EECA-4C6E-83E9-6382044D356C}"/>
-              </a:ext>
-            </a:extLst>
-          </p:cNvPr>
+          <p:cNvPr id="7" name="Slide Number Placeholder 6"/>
           <p:cNvSpPr>
             <a:spLocks noGrp="1"/>
           </p:cNvSpPr>
@@ -2728,7 +2408,7 @@
     </p:spTree>
     <p:extLst>
       <p:ext uri="{BB962C8B-B14F-4D97-AF65-F5344CB8AC3E}">
-        <p14:creationId xmlns:p14="http://schemas.microsoft.com/office/powerpoint/2010/main" val="1609688846"/>
+        <p14:creationId xmlns:p14="http://schemas.microsoft.com/office/powerpoint/2010/main" val="3020872086"/>
       </p:ext>
     </p:extLst>
   </p:cSld>
@@ -2762,13 +2442,7 @@
       </p:grpSpPr>
       <p:sp>
         <p:nvSpPr>
-          <p:cNvPr id="2" name="Title Placeholder 1">
-            <a:extLst>
-              <a:ext uri="{FF2B5EF4-FFF2-40B4-BE49-F238E27FC236}">
-                <a16:creationId xmlns:a16="http://schemas.microsoft.com/office/drawing/2014/main" id="{BC3F6010-77C4-45FE-968C-712199A58514}"/>
-              </a:ext>
-            </a:extLst>
-          </p:cNvPr>
+          <p:cNvPr id="2" name="Title Placeholder 1"/>
           <p:cNvSpPr>
             <a:spLocks noGrp="1"/>
           </p:cNvSpPr>
@@ -2795,18 +2469,13 @@
               <a:rPr lang="en-US"/>
               <a:t>Click to edit Master title style</a:t>
             </a:r>
-          </a:p>
-        </p:txBody>
-      </p:sp>
-      <p:sp>
-        <p:nvSpPr>
-          <p:cNvPr id="3" name="Text Placeholder 2">
-            <a:extLst>
-              <a:ext uri="{FF2B5EF4-FFF2-40B4-BE49-F238E27FC236}">
-                <a16:creationId xmlns:a16="http://schemas.microsoft.com/office/drawing/2014/main" id="{B19B1B2C-5D5F-46D9-92F5-ECDF2816A1FB}"/>
-              </a:ext>
-            </a:extLst>
-          </p:cNvPr>
+            <a:endParaRPr lang="en-US" dirty="0"/>
+          </a:p>
+        </p:txBody>
+      </p:sp>
+      <p:sp>
+        <p:nvSpPr>
+          <p:cNvPr id="3" name="Text Placeholder 2"/>
           <p:cNvSpPr>
             <a:spLocks noGrp="1"/>
           </p:cNvSpPr>
@@ -2832,7 +2501,7 @@
             <a:pPr lvl="0"/>
             <a:r>
               <a:rPr lang="en-US"/>
-              <a:t>Edit Master text styles</a:t>
+              <a:t>Click to edit Master text styles</a:t>
             </a:r>
           </a:p>
           <a:p>
@@ -2862,18 +2531,13 @@
               <a:rPr lang="en-US"/>
               <a:t>Fifth level</a:t>
             </a:r>
-          </a:p>
-        </p:txBody>
-      </p:sp>
-      <p:sp>
-        <p:nvSpPr>
-          <p:cNvPr id="4" name="Date Placeholder 3">
-            <a:extLst>
-              <a:ext uri="{FF2B5EF4-FFF2-40B4-BE49-F238E27FC236}">
-                <a16:creationId xmlns:a16="http://schemas.microsoft.com/office/drawing/2014/main" id="{60334894-C6F5-46F1-BAA2-AFEA88E68169}"/>
-              </a:ext>
-            </a:extLst>
-          </p:cNvPr>
+            <a:endParaRPr lang="en-US" dirty="0"/>
+          </a:p>
+        </p:txBody>
+      </p:sp>
+      <p:sp>
+        <p:nvSpPr>
+          <p:cNvPr id="4" name="Date Placeholder 3"/>
           <p:cNvSpPr>
             <a:spLocks noGrp="1"/>
           </p:cNvSpPr>
@@ -2906,7 +2570,7 @@
           <a:p>
             <a:fld id="{EED1C14C-A143-42F5-B247-D0E800131009}" type="datetimeFigureOut">
               <a:rPr lang="en-US" smtClean="0"/>
-              <a:t>8/15/2018</a:t>
+              <a:t>2/23/20</a:t>
             </a:fld>
             <a:endParaRPr lang="en-US"/>
           </a:p>
@@ -2914,13 +2578,7 @@
       </p:sp>
       <p:sp>
         <p:nvSpPr>
-          <p:cNvPr id="5" name="Footer Placeholder 4">
-            <a:extLst>
-              <a:ext uri="{FF2B5EF4-FFF2-40B4-BE49-F238E27FC236}">
-                <a16:creationId xmlns:a16="http://schemas.microsoft.com/office/drawing/2014/main" id="{975B1C84-4663-4022-BBEA-7667FEBCF3FB}"/>
-              </a:ext>
-            </a:extLst>
-          </p:cNvPr>
+          <p:cNvPr id="5" name="Footer Placeholder 4"/>
           <p:cNvSpPr>
             <a:spLocks noGrp="1"/>
           </p:cNvSpPr>
@@ -2957,13 +2615,7 @@
       </p:sp>
       <p:sp>
         <p:nvSpPr>
-          <p:cNvPr id="6" name="Slide Number Placeholder 5">
-            <a:extLst>
-              <a:ext uri="{FF2B5EF4-FFF2-40B4-BE49-F238E27FC236}">
-                <a16:creationId xmlns:a16="http://schemas.microsoft.com/office/drawing/2014/main" id="{E72820DA-1F3A-421F-A770-A6347089E365}"/>
-              </a:ext>
-            </a:extLst>
-          </p:cNvPr>
+          <p:cNvPr id="6" name="Slide Number Placeholder 5"/>
           <p:cNvSpPr>
             <a:spLocks noGrp="1"/>
           </p:cNvSpPr>
@@ -3005,23 +2657,23 @@
     </p:spTree>
     <p:extLst>
       <p:ext uri="{BB962C8B-B14F-4D97-AF65-F5344CB8AC3E}">
-        <p14:creationId xmlns:p14="http://schemas.microsoft.com/office/powerpoint/2010/main" val="1904852015"/>
+        <p14:creationId xmlns:p14="http://schemas.microsoft.com/office/powerpoint/2010/main" val="3837274775"/>
       </p:ext>
     </p:extLst>
   </p:cSld>
-  <p:clrMap bg1="lt1" tx1="dk1" bg2="lt2" tx2="dk2" accent1="accent1" accent2="accent2" accent3="accent3" accent4="accent4" accent5="accent5" accent6="accent6" hlink="hlink" folHlink="folHlink"/>
+  <p:clrMap bg1="dk1" tx1="lt1" bg2="dk2" tx2="lt2" accent1="accent1" accent2="accent2" accent3="accent3" accent4="accent4" accent5="accent5" accent6="accent6" hlink="hlink" folHlink="folHlink"/>
   <p:sldLayoutIdLst>
-    <p:sldLayoutId id="2147483649" r:id="rId1"/>
-    <p:sldLayoutId id="2147483650" r:id="rId2"/>
-    <p:sldLayoutId id="2147483651" r:id="rId3"/>
-    <p:sldLayoutId id="2147483652" r:id="rId4"/>
-    <p:sldLayoutId id="2147483653" r:id="rId5"/>
-    <p:sldLayoutId id="2147483654" r:id="rId6"/>
-    <p:sldLayoutId id="2147483655" r:id="rId7"/>
-    <p:sldLayoutId id="2147483656" r:id="rId8"/>
-    <p:sldLayoutId id="2147483657" r:id="rId9"/>
-    <p:sldLayoutId id="2147483658" r:id="rId10"/>
-    <p:sldLayoutId id="2147483659" r:id="rId11"/>
+    <p:sldLayoutId id="2147483661" r:id="rId1"/>
+    <p:sldLayoutId id="2147483662" r:id="rId2"/>
+    <p:sldLayoutId id="2147483663" r:id="rId3"/>
+    <p:sldLayoutId id="2147483664" r:id="rId4"/>
+    <p:sldLayoutId id="2147483665" r:id="rId5"/>
+    <p:sldLayoutId id="2147483666" r:id="rId6"/>
+    <p:sldLayoutId id="2147483667" r:id="rId7"/>
+    <p:sldLayoutId id="2147483668" r:id="rId8"/>
+    <p:sldLayoutId id="2147483669" r:id="rId9"/>
+    <p:sldLayoutId id="2147483670" r:id="rId10"/>
+    <p:sldLayoutId id="2147483671" r:id="rId11"/>
   </p:sldLayoutIdLst>
   <p:txStyles>
     <p:titleStyle>
@@ -3307,7 +2959,7 @@
 </file>
 
 <file path=ppt/slides/slide1.xml><?xml version="1.0" encoding="utf-8"?>
-<p:sld xmlns:a="http://schemas.openxmlformats.org/drawingml/2006/main" xmlns:p="http://schemas.openxmlformats.org/presentationml/2006/main" xmlns:r="http://schemas.openxmlformats.org/officeDocument/2006/relationships">
+<p:sld xmlns:a="http://schemas.openxmlformats.org/drawingml/2006/main" xmlns:r="http://schemas.openxmlformats.org/officeDocument/2006/relationships" xmlns:p="http://schemas.openxmlformats.org/presentationml/2006/main">
   <p:cSld>
     <p:spTree>
       <p:nvGrpSpPr>
@@ -3325,7 +2977,7 @@
       </p:grpSpPr>
       <p:sp>
         <p:nvSpPr>
-          <p:cNvPr id="0" name="slide1">
+          <p:cNvPr id="2" name="slide1">
             <a:extLst>
               <a:ext uri="{FF2B5EF4-FFF2-40B4-BE49-F238E27FC236}">
                 <a16:creationId xmlns:a16="http://schemas.microsoft.com/office/drawing/2014/main" id="{E7FE16D2-4931-4DC7-82FC-A449644B62D1}"/>
@@ -3336,24 +2988,21 @@
             <a:spLocks noGrp="1"/>
           </p:cNvSpPr>
           <p:nvPr>
-            <p:ph idx="0" type="ctrTitle"/>
-          </p:nvPr>
-        </p:nvSpPr>
-        <p:spPr/>
-        <p:txBody>
-          <a:bodyPr/>
-          <a:lstStyle/>
-          <a:p>
-            <a:r>
-              <a:rPr/>
-              <a:t>heatmaps</a:t>
-            </a:r>
-          </a:p>
-        </p:txBody>
-      </p:sp>
-      <p:sp>
-        <p:nvSpPr>
-          <p:cNvPr id="1" name="slide1">
+            <p:ph type="ctrTitle"/>
+          </p:nvPr>
+        </p:nvSpPr>
+        <p:spPr/>
+        <p:txBody>
+          <a:bodyPr/>
+          <a:lstStyle/>
+          <a:p>
+            <a:endParaRPr dirty="0"/>
+          </a:p>
+        </p:txBody>
+      </p:sp>
+      <p:sp>
+        <p:nvSpPr>
+          <p:cNvPr id="3" name="slide1">
             <a:extLst>
               <a:ext uri="{FF2B5EF4-FFF2-40B4-BE49-F238E27FC236}">
                 <a16:creationId xmlns:a16="http://schemas.microsoft.com/office/drawing/2014/main" id="{F4A5BB0E-981A-4AE3-8F5C-9CF27B8EAF36}"/>
@@ -3364,21 +3013,54 @@
             <a:spLocks noGrp="1"/>
           </p:cNvSpPr>
           <p:nvPr>
-            <p:ph idx="1" type="subTitle"/>
-          </p:nvPr>
-        </p:nvSpPr>
-        <p:spPr/>
-        <p:txBody>
-          <a:bodyPr/>
-          <a:lstStyle/>
-          <a:p>
-            <a:r>
-              <a:rPr/>
-              <a:t>File created on: 2/23/20 1:58:50 PM EST</a:t>
-            </a:r>
-          </a:p>
-        </p:txBody>
-      </p:sp>
+            <p:ph type="subTitle" idx="1"/>
+          </p:nvPr>
+        </p:nvSpPr>
+        <p:spPr/>
+        <p:txBody>
+          <a:bodyPr/>
+          <a:lstStyle/>
+          <a:p>
+            <a:endParaRPr dirty="0"/>
+          </a:p>
+        </p:txBody>
+      </p:sp>
+      <p:pic>
+        <p:nvPicPr>
+          <p:cNvPr id="7" name="Picture 6" descr="A picture containing drawing&#10;&#10;Description automatically generated">
+            <a:extLst>
+              <a:ext uri="{FF2B5EF4-FFF2-40B4-BE49-F238E27FC236}">
+                <a16:creationId xmlns:a16="http://schemas.microsoft.com/office/drawing/2014/main" id="{BA76195C-1D84-8C49-98F6-0D69C6333BD8}"/>
+              </a:ext>
+            </a:extLst>
+          </p:cNvPr>
+          <p:cNvPicPr>
+            <a:picLocks noChangeAspect="1"/>
+          </p:cNvPicPr>
+          <p:nvPr/>
+        </p:nvPicPr>
+        <p:blipFill>
+          <a:blip r:embed="rId2">
+            <a:extLst>
+              <a:ext uri="{28A0092B-C50C-407E-A947-70E740481C1C}">
+                <a14:useLocalDpi xmlns:a14="http://schemas.microsoft.com/office/drawing/2010/main" val="0"/>
+              </a:ext>
+            </a:extLst>
+          </a:blip>
+          <a:stretch>
+            <a:fillRect/>
+          </a:stretch>
+        </p:blipFill>
+        <p:spPr>
+          <a:xfrm>
+            <a:off x="3380688" y="1645218"/>
+            <a:ext cx="5430623" cy="3567563"/>
+          </a:xfrm>
+          <a:prstGeom prst="rect">
+            <a:avLst/>
+          </a:prstGeom>
+        </p:spPr>
+      </p:pic>
     </p:spTree>
     <p:extLst>
       <p:ext uri="{BB962C8B-B14F-4D97-AF65-F5344CB8AC3E}">
@@ -3393,7 +3075,7 @@
 </file>
 
 <file path=ppt/slides/slide2.xml><?xml version="1.0" encoding="utf-8"?>
-<p:sld xmlns:a="http://schemas.openxmlformats.org/drawingml/2006/main" xmlns:p="http://schemas.openxmlformats.org/presentationml/2006/main" xmlns:r="http://schemas.openxmlformats.org/officeDocument/2006/relationships">
+<p:sld xmlns:a="http://schemas.openxmlformats.org/drawingml/2006/main" xmlns:r="http://schemas.openxmlformats.org/officeDocument/2006/relationships" xmlns:p="http://schemas.openxmlformats.org/presentationml/2006/main">
   <p:cSld>
     <p:spTree>
       <p:nvGrpSpPr>
@@ -3411,7 +3093,7 @@
       </p:grpSpPr>
       <p:pic>
         <p:nvPicPr>
-          <p:cNvPr descr="Dashboard 1" id="2" name="slide2">
+          <p:cNvPr id="2" name="slide2" descr="Dashboard 1">
             <a:extLst>
               <a:ext uri="{FF2B5EF4-FFF2-40B4-BE49-F238E27FC236}">
                 <a16:creationId xmlns:a16="http://schemas.microsoft.com/office/drawing/2014/main" id="{D066861D-528D-48D2-AD57-2742E2E7B3EE}"/>
@@ -3424,7 +3106,7 @@
           <p:nvPr/>
         </p:nvPicPr>
         <p:blipFill>
-          <a:blip r:embed="rId7">
+          <a:blip r:embed="rId2">
             <a:extLst>
               <a:ext uri="{28A0092B-C50C-407E-A947-70E740481C1C}">
                 <a14:useLocalDpi xmlns:a14="http://schemas.microsoft.com/office/drawing/2010/main" val="0"/>
@@ -3459,7 +3141,7 @@
 </file>
 
 <file path=ppt/slides/slide3.xml><?xml version="1.0" encoding="utf-8"?>
-<p:sld xmlns:a="http://schemas.openxmlformats.org/drawingml/2006/main" xmlns:p="http://schemas.openxmlformats.org/presentationml/2006/main" xmlns:r="http://schemas.openxmlformats.org/officeDocument/2006/relationships">
+<p:sld xmlns:a="http://schemas.openxmlformats.org/drawingml/2006/main" xmlns:r="http://schemas.openxmlformats.org/officeDocument/2006/relationships" xmlns:p="http://schemas.openxmlformats.org/presentationml/2006/main">
   <p:cSld>
     <p:spTree>
       <p:nvGrpSpPr>
@@ -3477,7 +3159,7 @@
       </p:grpSpPr>
       <p:pic>
         <p:nvPicPr>
-          <p:cNvPr descr="Sheet 4" id="3" name="slide3">
+          <p:cNvPr id="3" name="slide3" descr="Sheet 4">
             <a:extLst>
               <a:ext uri="{FF2B5EF4-FFF2-40B4-BE49-F238E27FC236}">
                 <a16:creationId xmlns:a16="http://schemas.microsoft.com/office/drawing/2014/main" id="{0F3291FD-C71F-4A81-8FEE-08377D0653D5}"/>
@@ -3490,7 +3172,7 @@
           <p:nvPr/>
         </p:nvPicPr>
         <p:blipFill>
-          <a:blip r:embed="rId8">
+          <a:blip r:embed="rId2">
             <a:extLst>
               <a:ext uri="{28A0092B-C50C-407E-A947-70E740481C1C}">
                 <a14:useLocalDpi xmlns:a14="http://schemas.microsoft.com/office/drawing/2010/main" val="0"/>
@@ -3524,40 +3206,10 @@
 </p:sld>
 </file>
 
-<file path=ppt/slides/slideTemplate.xml><?xml version="1.0" encoding="utf-8"?>
-<p:sld xmlns:a="http://schemas.openxmlformats.org/drawingml/2006/main" xmlns:r="http://schemas.openxmlformats.org/officeDocument/2006/relationships" xmlns:p="http://schemas.openxmlformats.org/presentationml/2006/main">
-  <p:cSld>
-    <p:spTree>
-      <p:nvGrpSpPr>
-        <p:cNvPr id="1" name=""/>
-        <p:cNvGrpSpPr/>
-        <p:nvPr/>
-      </p:nvGrpSpPr>
-      <p:grpSpPr>
-        <a:xfrm>
-          <a:off x="0" y="0"/>
-          <a:ext cx="0" cy="0"/>
-          <a:chOff x="0" y="0"/>
-          <a:chExt cx="0" cy="0"/>
-        </a:xfrm>
-      </p:grpSpPr>
-    </p:spTree>
-    <p:extLst>
-      <p:ext uri="{BB962C8B-B14F-4D97-AF65-F5344CB8AC3E}">
-        <p14:creationId xmlns:p14="http://schemas.microsoft.com/office/powerpoint/2010/main" val="95992585"/>
-      </p:ext>
-    </p:extLst>
-  </p:cSld>
-  <p:clrMapOvr>
-    <a:masterClrMapping/>
-  </p:clrMapOvr>
-</p:sld>
-</file>
-
 <file path=ppt/theme/theme1.xml><?xml version="1.0" encoding="utf-8"?>
 <a:theme xmlns:a="http://schemas.openxmlformats.org/drawingml/2006/main" name="Office Theme">
   <a:themeElements>
-    <a:clrScheme name="Office">
+    <a:clrScheme name="Office Theme">
       <a:dk1>
         <a:sysClr val="windowText" lastClr="000000"/>
       </a:dk1>
@@ -3595,7 +3247,7 @@
         <a:srgbClr val="954F72"/>
       </a:folHlink>
     </a:clrScheme>
-    <a:fontScheme name="Office">
+    <a:fontScheme name="Office Theme">
       <a:majorFont>
         <a:latin typeface="Calibri Light" panose="020F0302020204030204"/>
         <a:ea typeface=""/>
@@ -3630,23 +3282,6 @@
         <a:font script="Viet" typeface="Times New Roman"/>
         <a:font script="Uigh" typeface="Microsoft Uighur"/>
         <a:font script="Geor" typeface="Sylfaen"/>
-        <a:font script="Armn" typeface="Arial"/>
-        <a:font script="Bugi" typeface="Leelawadee UI"/>
-        <a:font script="Bopo" typeface="Microsoft JhengHei"/>
-        <a:font script="Java" typeface="Javanese Text"/>
-        <a:font script="Lisu" typeface="Segoe UI"/>
-        <a:font script="Mymr" typeface="Myanmar Text"/>
-        <a:font script="Nkoo" typeface="Ebrima"/>
-        <a:font script="Olck" typeface="Nirmala UI"/>
-        <a:font script="Osma" typeface="Ebrima"/>
-        <a:font script="Phag" typeface="Phagspa"/>
-        <a:font script="Syrn" typeface="Estrangelo Edessa"/>
-        <a:font script="Syrj" typeface="Estrangelo Edessa"/>
-        <a:font script="Syre" typeface="Estrangelo Edessa"/>
-        <a:font script="Sora" typeface="Nirmala UI"/>
-        <a:font script="Tale" typeface="Microsoft Tai Le"/>
-        <a:font script="Talu" typeface="Microsoft New Tai Lue"/>
-        <a:font script="Tfng" typeface="Ebrima"/>
       </a:majorFont>
       <a:minorFont>
         <a:latin typeface="Calibri" panose="020F0502020204030204"/>
@@ -3682,26 +3317,9 @@
         <a:font script="Viet" typeface="Arial"/>
         <a:font script="Uigh" typeface="Microsoft Uighur"/>
         <a:font script="Geor" typeface="Sylfaen"/>
-        <a:font script="Armn" typeface="Arial"/>
-        <a:font script="Bugi" typeface="Leelawadee UI"/>
-        <a:font script="Bopo" typeface="Microsoft JhengHei"/>
-        <a:font script="Java" typeface="Javanese Text"/>
-        <a:font script="Lisu" typeface="Segoe UI"/>
-        <a:font script="Mymr" typeface="Myanmar Text"/>
-        <a:font script="Nkoo" typeface="Ebrima"/>
-        <a:font script="Olck" typeface="Nirmala UI"/>
-        <a:font script="Osma" typeface="Ebrima"/>
-        <a:font script="Phag" typeface="Phagspa"/>
-        <a:font script="Syrn" typeface="Estrangelo Edessa"/>
-        <a:font script="Syrj" typeface="Estrangelo Edessa"/>
-        <a:font script="Syre" typeface="Estrangelo Edessa"/>
-        <a:font script="Sora" typeface="Nirmala UI"/>
-        <a:font script="Tale" typeface="Microsoft Tai Le"/>
-        <a:font script="Talu" typeface="Microsoft New Tai Lue"/>
-        <a:font script="Tfng" typeface="Ebrima"/>
       </a:minorFont>
     </a:fontScheme>
-    <a:fmtScheme name="Office">
+    <a:fmtScheme name="Office Theme">
       <a:fillStyleLst>
         <a:solidFill>
           <a:schemeClr val="phClr"/>
@@ -3843,7 +3461,7 @@
   <a:extraClrSchemeLst/>
   <a:extLst>
     <a:ext uri="{05A4C25C-085E-4340-85A3-A5531E510DB2}">
-      <thm15:themeFamily xmlns:thm15="http://schemas.microsoft.com/office/thememl/2012/main" name="Office Theme" id="{62F939B6-93AF-4DB8-9C6B-D6C7DFDC589F}" vid="{4A3C46E8-61CC-4603-A589-7422A47A8E4A}"/>
+      <thm15:themeFamily xmlns:thm15="http://schemas.microsoft.com/office/thememl/2012/main" name="Office Theme" id="{62F939B6-93AF-4DB8-9C6B-D6C7DFDC589F}" vid="{4F46216B-77A9-411A-B9D3-5023FCB70208}"/>
     </a:ext>
   </a:extLst>
 </a:theme>
